--- a/Battle of Medieval Journey.pptx
+++ b/Battle of Medieval Journey.pptx
@@ -252,6 +252,7 @@
           <a:p>
             <a:fld id="{57BB7E42-9B89-42CE-86D8-443A1469993A}" type="datetimeFigureOut">
               <a:rPr lang="ru-RU" smtClean="0"/>
+              <a:pPr/>
               <a:t>09.02.2019</a:t>
             </a:fld>
             <a:endParaRPr lang="ru-RU"/>
@@ -294,6 +295,7 @@
           <a:p>
             <a:fld id="{BC16C235-C39A-43A3-A70D-750AD0B2E755}" type="slidenum">
               <a:rPr lang="ru-RU" smtClean="0"/>
+              <a:pPr/>
               <a:t>‹#›</a:t>
             </a:fld>
             <a:endParaRPr lang="ru-RU"/>
@@ -303,7 +305,7 @@
     </p:spTree>
     <p:extLst>
       <p:ext uri="{BB962C8B-B14F-4D97-AF65-F5344CB8AC3E}">
-        <p14:creationId xmlns:p14="http://schemas.microsoft.com/office/powerpoint/2010/main" val="3662374902"/>
+        <p14:creationId xmlns:p14="http://schemas.microsoft.com/office/powerpoint/2010/main" xmlns="" val="3662374902"/>
       </p:ext>
     </p:extLst>
   </p:cSld>
@@ -422,6 +424,7 @@
           <a:p>
             <a:fld id="{57BB7E42-9B89-42CE-86D8-443A1469993A}" type="datetimeFigureOut">
               <a:rPr lang="ru-RU" smtClean="0"/>
+              <a:pPr/>
               <a:t>09.02.2019</a:t>
             </a:fld>
             <a:endParaRPr lang="ru-RU"/>
@@ -464,6 +467,7 @@
           <a:p>
             <a:fld id="{BC16C235-C39A-43A3-A70D-750AD0B2E755}" type="slidenum">
               <a:rPr lang="ru-RU" smtClean="0"/>
+              <a:pPr/>
               <a:t>‹#›</a:t>
             </a:fld>
             <a:endParaRPr lang="ru-RU"/>
@@ -473,7 +477,7 @@
     </p:spTree>
     <p:extLst>
       <p:ext uri="{BB962C8B-B14F-4D97-AF65-F5344CB8AC3E}">
-        <p14:creationId xmlns:p14="http://schemas.microsoft.com/office/powerpoint/2010/main" val="1650496319"/>
+        <p14:creationId xmlns:p14="http://schemas.microsoft.com/office/powerpoint/2010/main" xmlns="" val="1650496319"/>
       </p:ext>
     </p:extLst>
   </p:cSld>
@@ -602,6 +606,7 @@
           <a:p>
             <a:fld id="{57BB7E42-9B89-42CE-86D8-443A1469993A}" type="datetimeFigureOut">
               <a:rPr lang="ru-RU" smtClean="0"/>
+              <a:pPr/>
               <a:t>09.02.2019</a:t>
             </a:fld>
             <a:endParaRPr lang="ru-RU"/>
@@ -644,6 +649,7 @@
           <a:p>
             <a:fld id="{BC16C235-C39A-43A3-A70D-750AD0B2E755}" type="slidenum">
               <a:rPr lang="ru-RU" smtClean="0"/>
+              <a:pPr/>
               <a:t>‹#›</a:t>
             </a:fld>
             <a:endParaRPr lang="ru-RU"/>
@@ -653,7 +659,7 @@
     </p:spTree>
     <p:extLst>
       <p:ext uri="{BB962C8B-B14F-4D97-AF65-F5344CB8AC3E}">
-        <p14:creationId xmlns:p14="http://schemas.microsoft.com/office/powerpoint/2010/main" val="1518653361"/>
+        <p14:creationId xmlns:p14="http://schemas.microsoft.com/office/powerpoint/2010/main" xmlns="" val="1518653361"/>
       </p:ext>
     </p:extLst>
   </p:cSld>
@@ -851,6 +857,7 @@
           <a:p>
             <a:fld id="{57BB7E42-9B89-42CE-86D8-443A1469993A}" type="datetimeFigureOut">
               <a:rPr lang="ru-RU" smtClean="0"/>
+              <a:pPr/>
               <a:t>09.02.2019</a:t>
             </a:fld>
             <a:endParaRPr lang="ru-RU"/>
@@ -980,6 +987,7 @@
           <a:p>
             <a:fld id="{BC16C235-C39A-43A3-A70D-750AD0B2E755}" type="slidenum">
               <a:rPr lang="ru-RU" smtClean="0"/>
+              <a:pPr/>
               <a:t>‹#›</a:t>
             </a:fld>
             <a:endParaRPr lang="ru-RU"/>
@@ -989,7 +997,7 @@
     </p:spTree>
     <p:extLst>
       <p:ext uri="{BB962C8B-B14F-4D97-AF65-F5344CB8AC3E}">
-        <p14:creationId xmlns:p14="http://schemas.microsoft.com/office/powerpoint/2010/main" val="3663904077"/>
+        <p14:creationId xmlns:p14="http://schemas.microsoft.com/office/powerpoint/2010/main" xmlns="" val="3663904077"/>
       </p:ext>
     </p:extLst>
   </p:cSld>
@@ -1118,6 +1126,7 @@
           <a:p>
             <a:fld id="{57BB7E42-9B89-42CE-86D8-443A1469993A}" type="datetimeFigureOut">
               <a:rPr lang="ru-RU" smtClean="0"/>
+              <a:pPr/>
               <a:t>09.02.2019</a:t>
             </a:fld>
             <a:endParaRPr lang="ru-RU"/>
@@ -1242,6 +1251,7 @@
           <a:p>
             <a:fld id="{BC16C235-C39A-43A3-A70D-750AD0B2E755}" type="slidenum">
               <a:rPr lang="ru-RU" smtClean="0"/>
+              <a:pPr/>
               <a:t>‹#›</a:t>
             </a:fld>
             <a:endParaRPr lang="ru-RU"/>
@@ -1251,7 +1261,7 @@
     </p:spTree>
     <p:extLst>
       <p:ext uri="{BB962C8B-B14F-4D97-AF65-F5344CB8AC3E}">
-        <p14:creationId xmlns:p14="http://schemas.microsoft.com/office/powerpoint/2010/main" val="4247709996"/>
+        <p14:creationId xmlns:p14="http://schemas.microsoft.com/office/powerpoint/2010/main" xmlns="" val="4247709996"/>
       </p:ext>
     </p:extLst>
   </p:cSld>
@@ -1447,6 +1457,7 @@
           <a:p>
             <a:fld id="{57BB7E42-9B89-42CE-86D8-443A1469993A}" type="datetimeFigureOut">
               <a:rPr lang="ru-RU" smtClean="0"/>
+              <a:pPr/>
               <a:t>09.02.2019</a:t>
             </a:fld>
             <a:endParaRPr lang="ru-RU"/>
@@ -1576,6 +1587,7 @@
           <a:p>
             <a:fld id="{BC16C235-C39A-43A3-A70D-750AD0B2E755}" type="slidenum">
               <a:rPr lang="ru-RU" smtClean="0"/>
+              <a:pPr/>
               <a:t>‹#›</a:t>
             </a:fld>
             <a:endParaRPr lang="ru-RU"/>
@@ -1585,7 +1597,7 @@
     </p:spTree>
     <p:extLst>
       <p:ext uri="{BB962C8B-B14F-4D97-AF65-F5344CB8AC3E}">
-        <p14:creationId xmlns:p14="http://schemas.microsoft.com/office/powerpoint/2010/main" val="3196029681"/>
+        <p14:creationId xmlns:p14="http://schemas.microsoft.com/office/powerpoint/2010/main" xmlns="" val="3196029681"/>
       </p:ext>
     </p:extLst>
   </p:cSld>
@@ -1770,6 +1782,7 @@
           <a:p>
             <a:fld id="{57BB7E42-9B89-42CE-86D8-443A1469993A}" type="datetimeFigureOut">
               <a:rPr lang="ru-RU" smtClean="0"/>
+              <a:pPr/>
               <a:t>09.02.2019</a:t>
             </a:fld>
             <a:endParaRPr lang="ru-RU"/>
@@ -1899,6 +1912,7 @@
           <a:p>
             <a:fld id="{BC16C235-C39A-43A3-A70D-750AD0B2E755}" type="slidenum">
               <a:rPr lang="ru-RU" smtClean="0"/>
+              <a:pPr/>
               <a:t>‹#›</a:t>
             </a:fld>
             <a:endParaRPr lang="ru-RU"/>
@@ -1908,7 +1922,7 @@
     </p:spTree>
     <p:extLst>
       <p:ext uri="{BB962C8B-B14F-4D97-AF65-F5344CB8AC3E}">
-        <p14:creationId xmlns:p14="http://schemas.microsoft.com/office/powerpoint/2010/main" val="742216312"/>
+        <p14:creationId xmlns:p14="http://schemas.microsoft.com/office/powerpoint/2010/main" xmlns="" val="742216312"/>
       </p:ext>
     </p:extLst>
   </p:cSld>
@@ -2227,6 +2241,7 @@
           <a:p>
             <a:fld id="{57BB7E42-9B89-42CE-86D8-443A1469993A}" type="datetimeFigureOut">
               <a:rPr lang="ru-RU" smtClean="0"/>
+              <a:pPr/>
               <a:t>09.02.2019</a:t>
             </a:fld>
             <a:endParaRPr lang="ru-RU"/>
@@ -2356,6 +2371,7 @@
           <a:p>
             <a:fld id="{BC16C235-C39A-43A3-A70D-750AD0B2E755}" type="slidenum">
               <a:rPr lang="ru-RU" smtClean="0"/>
+              <a:pPr/>
               <a:t>‹#›</a:t>
             </a:fld>
             <a:endParaRPr lang="ru-RU"/>
@@ -2365,7 +2381,7 @@
     </p:spTree>
     <p:extLst>
       <p:ext uri="{BB962C8B-B14F-4D97-AF65-F5344CB8AC3E}">
-        <p14:creationId xmlns:p14="http://schemas.microsoft.com/office/powerpoint/2010/main" val="2008616536"/>
+        <p14:creationId xmlns:p14="http://schemas.microsoft.com/office/powerpoint/2010/main" xmlns="" val="2008616536"/>
       </p:ext>
     </p:extLst>
   </p:cSld>
@@ -2432,6 +2448,7 @@
           <a:p>
             <a:fld id="{57BB7E42-9B89-42CE-86D8-443A1469993A}" type="datetimeFigureOut">
               <a:rPr lang="ru-RU" smtClean="0"/>
+              <a:pPr/>
               <a:t>09.02.2019</a:t>
             </a:fld>
             <a:endParaRPr lang="ru-RU"/>
@@ -2556,6 +2573,7 @@
           <a:p>
             <a:fld id="{BC16C235-C39A-43A3-A70D-750AD0B2E755}" type="slidenum">
               <a:rPr lang="ru-RU" smtClean="0"/>
+              <a:pPr/>
               <a:t>‹#›</a:t>
             </a:fld>
             <a:endParaRPr lang="ru-RU"/>
@@ -2565,7 +2583,7 @@
     </p:spTree>
     <p:extLst>
       <p:ext uri="{BB962C8B-B14F-4D97-AF65-F5344CB8AC3E}">
-        <p14:creationId xmlns:p14="http://schemas.microsoft.com/office/powerpoint/2010/main" val="1269531493"/>
+        <p14:creationId xmlns:p14="http://schemas.microsoft.com/office/powerpoint/2010/main" xmlns="" val="1269531493"/>
       </p:ext>
     </p:extLst>
   </p:cSld>
@@ -2609,6 +2627,7 @@
           <a:p>
             <a:fld id="{57BB7E42-9B89-42CE-86D8-443A1469993A}" type="datetimeFigureOut">
               <a:rPr lang="ru-RU" smtClean="0"/>
+              <a:pPr/>
               <a:t>09.02.2019</a:t>
             </a:fld>
             <a:endParaRPr lang="ru-RU"/>
@@ -2733,6 +2752,7 @@
           <a:p>
             <a:fld id="{BC16C235-C39A-43A3-A70D-750AD0B2E755}" type="slidenum">
               <a:rPr lang="ru-RU" smtClean="0"/>
+              <a:pPr/>
               <a:t>‹#›</a:t>
             </a:fld>
             <a:endParaRPr lang="ru-RU"/>
@@ -2742,7 +2762,7 @@
     </p:spTree>
     <p:extLst>
       <p:ext uri="{BB962C8B-B14F-4D97-AF65-F5344CB8AC3E}">
-        <p14:creationId xmlns:p14="http://schemas.microsoft.com/office/powerpoint/2010/main" val="3691625159"/>
+        <p14:creationId xmlns:p14="http://schemas.microsoft.com/office/powerpoint/2010/main" xmlns="" val="3691625159"/>
       </p:ext>
     </p:extLst>
   </p:cSld>
@@ -2942,6 +2962,7 @@
           <a:p>
             <a:fld id="{57BB7E42-9B89-42CE-86D8-443A1469993A}" type="datetimeFigureOut">
               <a:rPr lang="ru-RU" smtClean="0"/>
+              <a:pPr/>
               <a:t>09.02.2019</a:t>
             </a:fld>
             <a:endParaRPr lang="ru-RU"/>
@@ -3066,6 +3087,7 @@
           <a:p>
             <a:fld id="{BC16C235-C39A-43A3-A70D-750AD0B2E755}" type="slidenum">
               <a:rPr lang="ru-RU" smtClean="0"/>
+              <a:pPr/>
               <a:t>‹#›</a:t>
             </a:fld>
             <a:endParaRPr lang="ru-RU"/>
@@ -3075,7 +3097,7 @@
     </p:spTree>
     <p:extLst>
       <p:ext uri="{BB962C8B-B14F-4D97-AF65-F5344CB8AC3E}">
-        <p14:creationId xmlns:p14="http://schemas.microsoft.com/office/powerpoint/2010/main" val="1580183348"/>
+        <p14:creationId xmlns:p14="http://schemas.microsoft.com/office/powerpoint/2010/main" xmlns="" val="1580183348"/>
       </p:ext>
     </p:extLst>
   </p:cSld>
@@ -3194,6 +3216,7 @@
           <a:p>
             <a:fld id="{57BB7E42-9B89-42CE-86D8-443A1469993A}" type="datetimeFigureOut">
               <a:rPr lang="ru-RU" smtClean="0"/>
+              <a:pPr/>
               <a:t>09.02.2019</a:t>
             </a:fld>
             <a:endParaRPr lang="ru-RU"/>
@@ -3236,6 +3259,7 @@
           <a:p>
             <a:fld id="{BC16C235-C39A-43A3-A70D-750AD0B2E755}" type="slidenum">
               <a:rPr lang="ru-RU" smtClean="0"/>
+              <a:pPr/>
               <a:t>‹#›</a:t>
             </a:fld>
             <a:endParaRPr lang="ru-RU"/>
@@ -3245,7 +3269,7 @@
     </p:spTree>
     <p:extLst>
       <p:ext uri="{BB962C8B-B14F-4D97-AF65-F5344CB8AC3E}">
-        <p14:creationId xmlns:p14="http://schemas.microsoft.com/office/powerpoint/2010/main" val="2902784301"/>
+        <p14:creationId xmlns:p14="http://schemas.microsoft.com/office/powerpoint/2010/main" xmlns="" val="2902784301"/>
       </p:ext>
     </p:extLst>
   </p:cSld>
@@ -3457,6 +3481,7 @@
           <a:p>
             <a:fld id="{57BB7E42-9B89-42CE-86D8-443A1469993A}" type="datetimeFigureOut">
               <a:rPr lang="ru-RU" smtClean="0"/>
+              <a:pPr/>
               <a:t>09.02.2019</a:t>
             </a:fld>
             <a:endParaRPr lang="ru-RU"/>
@@ -3586,6 +3611,7 @@
           <a:p>
             <a:fld id="{BC16C235-C39A-43A3-A70D-750AD0B2E755}" type="slidenum">
               <a:rPr lang="ru-RU" smtClean="0"/>
+              <a:pPr/>
               <a:t>‹#›</a:t>
             </a:fld>
             <a:endParaRPr lang="ru-RU"/>
@@ -3595,7 +3621,7 @@
     </p:spTree>
     <p:extLst>
       <p:ext uri="{BB962C8B-B14F-4D97-AF65-F5344CB8AC3E}">
-        <p14:creationId xmlns:p14="http://schemas.microsoft.com/office/powerpoint/2010/main" val="1099305369"/>
+        <p14:creationId xmlns:p14="http://schemas.microsoft.com/office/powerpoint/2010/main" xmlns="" val="1099305369"/>
       </p:ext>
     </p:extLst>
   </p:cSld>
@@ -3795,6 +3821,7 @@
           <a:p>
             <a:fld id="{57BB7E42-9B89-42CE-86D8-443A1469993A}" type="datetimeFigureOut">
               <a:rPr lang="ru-RU" smtClean="0"/>
+              <a:pPr/>
               <a:t>09.02.2019</a:t>
             </a:fld>
             <a:endParaRPr lang="ru-RU"/>
@@ -3924,6 +3951,7 @@
           <a:p>
             <a:fld id="{BC16C235-C39A-43A3-A70D-750AD0B2E755}" type="slidenum">
               <a:rPr lang="ru-RU" smtClean="0"/>
+              <a:pPr/>
               <a:t>‹#›</a:t>
             </a:fld>
             <a:endParaRPr lang="ru-RU"/>
@@ -3933,7 +3961,7 @@
     </p:spTree>
     <p:extLst>
       <p:ext uri="{BB962C8B-B14F-4D97-AF65-F5344CB8AC3E}">
-        <p14:creationId xmlns:p14="http://schemas.microsoft.com/office/powerpoint/2010/main" val="423040701"/>
+        <p14:creationId xmlns:p14="http://schemas.microsoft.com/office/powerpoint/2010/main" xmlns="" val="423040701"/>
       </p:ext>
     </p:extLst>
   </p:cSld>
@@ -4196,6 +4224,7 @@
           <a:p>
             <a:fld id="{57BB7E42-9B89-42CE-86D8-443A1469993A}" type="datetimeFigureOut">
               <a:rPr lang="ru-RU" smtClean="0"/>
+              <a:pPr/>
               <a:t>09.02.2019</a:t>
             </a:fld>
             <a:endParaRPr lang="ru-RU"/>
@@ -4325,6 +4354,7 @@
           <a:p>
             <a:fld id="{BC16C235-C39A-43A3-A70D-750AD0B2E755}" type="slidenum">
               <a:rPr lang="ru-RU" smtClean="0"/>
+              <a:pPr/>
               <a:t>‹#›</a:t>
             </a:fld>
             <a:endParaRPr lang="ru-RU"/>
@@ -4410,7 +4440,7 @@
     </p:spTree>
     <p:extLst>
       <p:ext uri="{BB962C8B-B14F-4D97-AF65-F5344CB8AC3E}">
-        <p14:creationId xmlns:p14="http://schemas.microsoft.com/office/powerpoint/2010/main" val="856939627"/>
+        <p14:creationId xmlns:p14="http://schemas.microsoft.com/office/powerpoint/2010/main" xmlns="" val="856939627"/>
       </p:ext>
     </p:extLst>
   </p:cSld>
@@ -4532,6 +4562,7 @@
           <a:p>
             <a:fld id="{57BB7E42-9B89-42CE-86D8-443A1469993A}" type="datetimeFigureOut">
               <a:rPr lang="ru-RU" smtClean="0"/>
+              <a:pPr/>
               <a:t>09.02.2019</a:t>
             </a:fld>
             <a:endParaRPr lang="ru-RU"/>
@@ -4661,6 +4692,7 @@
           <a:p>
             <a:fld id="{BC16C235-C39A-43A3-A70D-750AD0B2E755}" type="slidenum">
               <a:rPr lang="ru-RU" smtClean="0"/>
+              <a:pPr/>
               <a:t>‹#›</a:t>
             </a:fld>
             <a:endParaRPr lang="ru-RU"/>
@@ -4670,7 +4702,7 @@
     </p:spTree>
     <p:extLst>
       <p:ext uri="{BB962C8B-B14F-4D97-AF65-F5344CB8AC3E}">
-        <p14:creationId xmlns:p14="http://schemas.microsoft.com/office/powerpoint/2010/main" val="3465549667"/>
+        <p14:creationId xmlns:p14="http://schemas.microsoft.com/office/powerpoint/2010/main" xmlns="" val="3465549667"/>
       </p:ext>
     </p:extLst>
   </p:cSld>
@@ -4852,6 +4884,7 @@
           <a:p>
             <a:fld id="{57BB7E42-9B89-42CE-86D8-443A1469993A}" type="datetimeFigureOut">
               <a:rPr lang="ru-RU" smtClean="0"/>
+              <a:pPr/>
               <a:t>09.02.2019</a:t>
             </a:fld>
             <a:endParaRPr lang="ru-RU"/>
@@ -4981,6 +5014,7 @@
           <a:p>
             <a:fld id="{BC16C235-C39A-43A3-A70D-750AD0B2E755}" type="slidenum">
               <a:rPr lang="ru-RU" smtClean="0"/>
+              <a:pPr/>
               <a:t>‹#›</a:t>
             </a:fld>
             <a:endParaRPr lang="ru-RU"/>
@@ -5066,7 +5100,7 @@
     </p:spTree>
     <p:extLst>
       <p:ext uri="{BB962C8B-B14F-4D97-AF65-F5344CB8AC3E}">
-        <p14:creationId xmlns:p14="http://schemas.microsoft.com/office/powerpoint/2010/main" val="102000123"/>
+        <p14:creationId xmlns:p14="http://schemas.microsoft.com/office/powerpoint/2010/main" xmlns="" val="102000123"/>
       </p:ext>
     </p:extLst>
   </p:cSld>
@@ -5248,6 +5282,7 @@
           <a:p>
             <a:fld id="{57BB7E42-9B89-42CE-86D8-443A1469993A}" type="datetimeFigureOut">
               <a:rPr lang="ru-RU" smtClean="0"/>
+              <a:pPr/>
               <a:t>09.02.2019</a:t>
             </a:fld>
             <a:endParaRPr lang="ru-RU"/>
@@ -5377,6 +5412,7 @@
           <a:p>
             <a:fld id="{BC16C235-C39A-43A3-A70D-750AD0B2E755}" type="slidenum">
               <a:rPr lang="ru-RU" smtClean="0"/>
+              <a:pPr/>
               <a:t>‹#›</a:t>
             </a:fld>
             <a:endParaRPr lang="ru-RU"/>
@@ -5386,7 +5422,7 @@
     </p:spTree>
     <p:extLst>
       <p:ext uri="{BB962C8B-B14F-4D97-AF65-F5344CB8AC3E}">
-        <p14:creationId xmlns:p14="http://schemas.microsoft.com/office/powerpoint/2010/main" val="2755026980"/>
+        <p14:creationId xmlns:p14="http://schemas.microsoft.com/office/powerpoint/2010/main" xmlns="" val="2755026980"/>
       </p:ext>
     </p:extLst>
   </p:cSld>
@@ -5505,6 +5541,7 @@
           <a:p>
             <a:fld id="{57BB7E42-9B89-42CE-86D8-443A1469993A}" type="datetimeFigureOut">
               <a:rPr lang="ru-RU" smtClean="0"/>
+              <a:pPr/>
               <a:t>09.02.2019</a:t>
             </a:fld>
             <a:endParaRPr lang="ru-RU"/>
@@ -5629,6 +5666,7 @@
           <a:p>
             <a:fld id="{BC16C235-C39A-43A3-A70D-750AD0B2E755}" type="slidenum">
               <a:rPr lang="ru-RU" smtClean="0"/>
+              <a:pPr/>
               <a:t>‹#›</a:t>
             </a:fld>
             <a:endParaRPr lang="ru-RU"/>
@@ -5638,7 +5676,7 @@
     </p:spTree>
     <p:extLst>
       <p:ext uri="{BB962C8B-B14F-4D97-AF65-F5344CB8AC3E}">
-        <p14:creationId xmlns:p14="http://schemas.microsoft.com/office/powerpoint/2010/main" val="1607791766"/>
+        <p14:creationId xmlns:p14="http://schemas.microsoft.com/office/powerpoint/2010/main" xmlns="" val="1607791766"/>
       </p:ext>
     </p:extLst>
   </p:cSld>
@@ -5767,6 +5805,7 @@
           <a:p>
             <a:fld id="{57BB7E42-9B89-42CE-86D8-443A1469993A}" type="datetimeFigureOut">
               <a:rPr lang="ru-RU" smtClean="0"/>
+              <a:pPr/>
               <a:t>09.02.2019</a:t>
             </a:fld>
             <a:endParaRPr lang="ru-RU"/>
@@ -5891,6 +5930,7 @@
           <a:p>
             <a:fld id="{BC16C235-C39A-43A3-A70D-750AD0B2E755}" type="slidenum">
               <a:rPr lang="ru-RU" smtClean="0"/>
+              <a:pPr/>
               <a:t>‹#›</a:t>
             </a:fld>
             <a:endParaRPr lang="ru-RU"/>
@@ -5900,7 +5940,7 @@
     </p:spTree>
     <p:extLst>
       <p:ext uri="{BB962C8B-B14F-4D97-AF65-F5344CB8AC3E}">
-        <p14:creationId xmlns:p14="http://schemas.microsoft.com/office/powerpoint/2010/main" val="3369363384"/>
+        <p14:creationId xmlns:p14="http://schemas.microsoft.com/office/powerpoint/2010/main" xmlns="" val="3369363384"/>
       </p:ext>
     </p:extLst>
   </p:cSld>
@@ -6100,6 +6140,7 @@
           <a:p>
             <a:fld id="{57BB7E42-9B89-42CE-86D8-443A1469993A}" type="datetimeFigureOut">
               <a:rPr lang="ru-RU" smtClean="0"/>
+              <a:pPr/>
               <a:t>09.02.2019</a:t>
             </a:fld>
             <a:endParaRPr lang="ru-RU"/>
@@ -6142,6 +6183,7 @@
           <a:p>
             <a:fld id="{BC16C235-C39A-43A3-A70D-750AD0B2E755}" type="slidenum">
               <a:rPr lang="ru-RU" smtClean="0"/>
+              <a:pPr/>
               <a:t>‹#›</a:t>
             </a:fld>
             <a:endParaRPr lang="ru-RU"/>
@@ -6151,7 +6193,7 @@
     </p:spTree>
     <p:extLst>
       <p:ext uri="{BB962C8B-B14F-4D97-AF65-F5344CB8AC3E}">
-        <p14:creationId xmlns:p14="http://schemas.microsoft.com/office/powerpoint/2010/main" val="1758051428"/>
+        <p14:creationId xmlns:p14="http://schemas.microsoft.com/office/powerpoint/2010/main" xmlns="" val="1758051428"/>
       </p:ext>
     </p:extLst>
   </p:cSld>
@@ -6332,6 +6374,7 @@
           <a:p>
             <a:fld id="{57BB7E42-9B89-42CE-86D8-443A1469993A}" type="datetimeFigureOut">
               <a:rPr lang="ru-RU" smtClean="0"/>
+              <a:pPr/>
               <a:t>09.02.2019</a:t>
             </a:fld>
             <a:endParaRPr lang="ru-RU"/>
@@ -6374,6 +6417,7 @@
           <a:p>
             <a:fld id="{BC16C235-C39A-43A3-A70D-750AD0B2E755}" type="slidenum">
               <a:rPr lang="ru-RU" smtClean="0"/>
+              <a:pPr/>
               <a:t>‹#›</a:t>
             </a:fld>
             <a:endParaRPr lang="ru-RU"/>
@@ -6383,7 +6427,7 @@
     </p:spTree>
     <p:extLst>
       <p:ext uri="{BB962C8B-B14F-4D97-AF65-F5344CB8AC3E}">
-        <p14:creationId xmlns:p14="http://schemas.microsoft.com/office/powerpoint/2010/main" val="4038325070"/>
+        <p14:creationId xmlns:p14="http://schemas.microsoft.com/office/powerpoint/2010/main" xmlns="" val="4038325070"/>
       </p:ext>
     </p:extLst>
   </p:cSld>
@@ -6679,6 +6723,7 @@
           <a:p>
             <a:fld id="{57BB7E42-9B89-42CE-86D8-443A1469993A}" type="datetimeFigureOut">
               <a:rPr lang="ru-RU" smtClean="0"/>
+              <a:pPr/>
               <a:t>09.02.2019</a:t>
             </a:fld>
             <a:endParaRPr lang="ru-RU"/>
@@ -6721,6 +6766,7 @@
           <a:p>
             <a:fld id="{BC16C235-C39A-43A3-A70D-750AD0B2E755}" type="slidenum">
               <a:rPr lang="ru-RU" smtClean="0"/>
+              <a:pPr/>
               <a:t>‹#›</a:t>
             </a:fld>
             <a:endParaRPr lang="ru-RU"/>
@@ -6753,7 +6799,7 @@
     </p:spTree>
     <p:extLst>
       <p:ext uri="{BB962C8B-B14F-4D97-AF65-F5344CB8AC3E}">
-        <p14:creationId xmlns:p14="http://schemas.microsoft.com/office/powerpoint/2010/main" val="3011234211"/>
+        <p14:creationId xmlns:p14="http://schemas.microsoft.com/office/powerpoint/2010/main" xmlns="" val="3011234211"/>
       </p:ext>
     </p:extLst>
   </p:cSld>
@@ -6797,6 +6843,7 @@
           <a:p>
             <a:fld id="{57BB7E42-9B89-42CE-86D8-443A1469993A}" type="datetimeFigureOut">
               <a:rPr lang="ru-RU" smtClean="0"/>
+              <a:pPr/>
               <a:t>09.02.2019</a:t>
             </a:fld>
             <a:endParaRPr lang="ru-RU"/>
@@ -6839,6 +6886,7 @@
           <a:p>
             <a:fld id="{BC16C235-C39A-43A3-A70D-750AD0B2E755}" type="slidenum">
               <a:rPr lang="ru-RU" smtClean="0"/>
+              <a:pPr/>
               <a:t>‹#›</a:t>
             </a:fld>
             <a:endParaRPr lang="ru-RU"/>
@@ -6871,7 +6919,7 @@
     </p:spTree>
     <p:extLst>
       <p:ext uri="{BB962C8B-B14F-4D97-AF65-F5344CB8AC3E}">
-        <p14:creationId xmlns:p14="http://schemas.microsoft.com/office/powerpoint/2010/main" val="2448745083"/>
+        <p14:creationId xmlns:p14="http://schemas.microsoft.com/office/powerpoint/2010/main" xmlns="" val="2448745083"/>
       </p:ext>
     </p:extLst>
   </p:cSld>
@@ -6915,6 +6963,7 @@
           <a:p>
             <a:fld id="{57BB7E42-9B89-42CE-86D8-443A1469993A}" type="datetimeFigureOut">
               <a:rPr lang="ru-RU" smtClean="0"/>
+              <a:pPr/>
               <a:t>09.02.2019</a:t>
             </a:fld>
             <a:endParaRPr lang="ru-RU"/>
@@ -6957,6 +7006,7 @@
           <a:p>
             <a:fld id="{BC16C235-C39A-43A3-A70D-750AD0B2E755}" type="slidenum">
               <a:rPr lang="ru-RU" smtClean="0"/>
+              <a:pPr/>
               <a:t>‹#›</a:t>
             </a:fld>
             <a:endParaRPr lang="ru-RU"/>
@@ -6966,7 +7016,7 @@
     </p:spTree>
     <p:extLst>
       <p:ext uri="{BB962C8B-B14F-4D97-AF65-F5344CB8AC3E}">
-        <p14:creationId xmlns:p14="http://schemas.microsoft.com/office/powerpoint/2010/main" val="2364011996"/>
+        <p14:creationId xmlns:p14="http://schemas.microsoft.com/office/powerpoint/2010/main" xmlns="" val="2364011996"/>
       </p:ext>
     </p:extLst>
   </p:cSld>
@@ -7199,6 +7249,7 @@
           <a:p>
             <a:fld id="{57BB7E42-9B89-42CE-86D8-443A1469993A}" type="datetimeFigureOut">
               <a:rPr lang="ru-RU" smtClean="0"/>
+              <a:pPr/>
               <a:t>09.02.2019</a:t>
             </a:fld>
             <a:endParaRPr lang="ru-RU"/>
@@ -7241,6 +7292,7 @@
           <a:p>
             <a:fld id="{BC16C235-C39A-43A3-A70D-750AD0B2E755}" type="slidenum">
               <a:rPr lang="ru-RU" smtClean="0"/>
+              <a:pPr/>
               <a:t>‹#›</a:t>
             </a:fld>
             <a:endParaRPr lang="ru-RU"/>
@@ -7250,7 +7302,7 @@
     </p:spTree>
     <p:extLst>
       <p:ext uri="{BB962C8B-B14F-4D97-AF65-F5344CB8AC3E}">
-        <p14:creationId xmlns:p14="http://schemas.microsoft.com/office/powerpoint/2010/main" val="3341841115"/>
+        <p14:creationId xmlns:p14="http://schemas.microsoft.com/office/powerpoint/2010/main" xmlns="" val="3341841115"/>
       </p:ext>
     </p:extLst>
   </p:cSld>
@@ -7463,6 +7515,7 @@
           <a:p>
             <a:fld id="{57BB7E42-9B89-42CE-86D8-443A1469993A}" type="datetimeFigureOut">
               <a:rPr lang="ru-RU" smtClean="0"/>
+              <a:pPr/>
               <a:t>09.02.2019</a:t>
             </a:fld>
             <a:endParaRPr lang="ru-RU"/>
@@ -7505,6 +7558,7 @@
           <a:p>
             <a:fld id="{BC16C235-C39A-43A3-A70D-750AD0B2E755}" type="slidenum">
               <a:rPr lang="ru-RU" smtClean="0"/>
+              <a:pPr/>
               <a:t>‹#›</a:t>
             </a:fld>
             <a:endParaRPr lang="ru-RU"/>
@@ -7514,7 +7568,7 @@
     </p:spTree>
     <p:extLst>
       <p:ext uri="{BB962C8B-B14F-4D97-AF65-F5344CB8AC3E}">
-        <p14:creationId xmlns:p14="http://schemas.microsoft.com/office/powerpoint/2010/main" val="1643567467"/>
+        <p14:creationId xmlns:p14="http://schemas.microsoft.com/office/powerpoint/2010/main" xmlns="" val="1643567467"/>
       </p:ext>
     </p:extLst>
   </p:cSld>
@@ -7677,6 +7731,7 @@
           <a:p>
             <a:fld id="{57BB7E42-9B89-42CE-86D8-443A1469993A}" type="datetimeFigureOut">
               <a:rPr lang="ru-RU" smtClean="0"/>
+              <a:pPr/>
               <a:t>09.02.2019</a:t>
             </a:fld>
             <a:endParaRPr lang="ru-RU"/>
@@ -7756,6 +7811,7 @@
           <a:p>
             <a:fld id="{BC16C235-C39A-43A3-A70D-750AD0B2E755}" type="slidenum">
               <a:rPr lang="ru-RU" smtClean="0"/>
+              <a:pPr/>
               <a:t>‹#›</a:t>
             </a:fld>
             <a:endParaRPr lang="ru-RU"/>
@@ -7765,7 +7821,7 @@
     </p:spTree>
     <p:extLst>
       <p:ext uri="{BB962C8B-B14F-4D97-AF65-F5344CB8AC3E}">
-        <p14:creationId xmlns:p14="http://schemas.microsoft.com/office/powerpoint/2010/main" val="996370676"/>
+        <p14:creationId xmlns:p14="http://schemas.microsoft.com/office/powerpoint/2010/main" xmlns="" val="996370676"/>
       </p:ext>
     </p:extLst>
   </p:cSld>
@@ -10023,6 +10079,7 @@
           <a:p>
             <a:fld id="{57BB7E42-9B89-42CE-86D8-443A1469993A}" type="datetimeFigureOut">
               <a:rPr lang="ru-RU" smtClean="0"/>
+              <a:pPr/>
               <a:t>09.02.2019</a:t>
             </a:fld>
             <a:endParaRPr lang="ru-RU"/>
@@ -10099,6 +10156,7 @@
           <a:p>
             <a:fld id="{BC16C235-C39A-43A3-A70D-750AD0B2E755}" type="slidenum">
               <a:rPr lang="ru-RU" smtClean="0"/>
+              <a:pPr/>
               <a:t>‹#›</a:t>
             </a:fld>
             <a:endParaRPr lang="ru-RU"/>
@@ -10108,7 +10166,7 @@
     </p:spTree>
     <p:extLst>
       <p:ext uri="{BB962C8B-B14F-4D97-AF65-F5344CB8AC3E}">
-        <p14:creationId xmlns:p14="http://schemas.microsoft.com/office/powerpoint/2010/main" val="249288615"/>
+        <p14:creationId xmlns:p14="http://schemas.microsoft.com/office/powerpoint/2010/main" xmlns="" val="249288615"/>
       </p:ext>
     </p:extLst>
   </p:cSld>
@@ -10574,7 +10632,7 @@
     </p:spTree>
     <p:extLst>
       <p:ext uri="{BB962C8B-B14F-4D97-AF65-F5344CB8AC3E}">
-        <p14:creationId xmlns:p14="http://schemas.microsoft.com/office/powerpoint/2010/main" val="1050890407"/>
+        <p14:creationId xmlns:p14="http://schemas.microsoft.com/office/powerpoint/2010/main" xmlns="" val="1050890407"/>
       </p:ext>
     </p:extLst>
   </p:cSld>
@@ -10624,20 +10682,8 @@
           <a:lstStyle/>
           <a:p>
             <a:r>
-              <a:rPr lang="ru-RU" dirty="0" smtClean="0"/>
-              <a:t>Пошаговая </a:t>
-            </a:r>
-            <a:r>
               <a:rPr lang="ru-RU" dirty="0" err="1" smtClean="0"/>
-              <a:t>мультиплеер</a:t>
-            </a:r>
-            <a:r>
-              <a:rPr lang="ru-RU" dirty="0"/>
-              <a:t> </a:t>
-            </a:r>
-            <a:r>
-              <a:rPr lang="ru-RU" dirty="0" smtClean="0"/>
-              <a:t>стратегия</a:t>
+              <a:t>Пошаговаястратегия</a:t>
             </a:r>
             <a:endParaRPr lang="ru-RU" dirty="0"/>
           </a:p>
@@ -10665,7 +10711,15 @@
             </a:pPr>
             <a:r>
               <a:rPr lang="ru-RU" dirty="0" smtClean="0"/>
-              <a:t>У каждого игрока имеется замок, который ему необходимо защищать</a:t>
+              <a:t>У каждого игрока имеется </a:t>
+            </a:r>
+            <a:r>
+              <a:rPr lang="ru-RU" b="1" dirty="0" smtClean="0"/>
+              <a:t>замок</a:t>
+            </a:r>
+            <a:r>
+              <a:rPr lang="ru-RU" dirty="0" smtClean="0"/>
+              <a:t>, который ему необходимо защищать</a:t>
             </a:r>
           </a:p>
           <a:p>
@@ -10674,7 +10728,11 @@
             </a:pPr>
             <a:r>
               <a:rPr lang="ru-RU" dirty="0" smtClean="0"/>
-              <a:t>После падения замка игрок проигрывает</a:t>
+              <a:t>После падения замка игрок </a:t>
+            </a:r>
+            <a:r>
+              <a:rPr lang="ru-RU" b="1" dirty="0" smtClean="0"/>
+              <a:t>проигрывает</a:t>
             </a:r>
           </a:p>
           <a:p>
@@ -10696,7 +10754,15 @@
             </a:pPr>
             <a:r>
               <a:rPr lang="ru-RU" dirty="0" smtClean="0"/>
-              <a:t>Все юниты имеют разные характеристики и </a:t>
+              <a:t>Все юниты имеют разные </a:t>
+            </a:r>
+            <a:r>
+              <a:rPr lang="ru-RU" b="1" dirty="0" smtClean="0"/>
+              <a:t>характеристики</a:t>
+            </a:r>
+            <a:r>
+              <a:rPr lang="ru-RU" dirty="0" smtClean="0"/>
+              <a:t> и </a:t>
             </a:r>
             <a:r>
               <a:rPr lang="ru-RU" b="1" dirty="0" smtClean="0"/>
@@ -10713,13 +10779,37 @@
             </a:r>
             <a:r>
               <a:rPr lang="ru-RU" dirty="0" smtClean="0"/>
-              <a:t>-Медик лечит всех союзных юнитов в радиусе 2х клеток на 10 </a:t>
-            </a:r>
-            <a:r>
-              <a:rPr lang="ru-RU" dirty="0" err="1" smtClean="0"/>
+              <a:t>-</a:t>
+            </a:r>
+            <a:r>
+              <a:rPr lang="ru-RU" b="1" dirty="0" smtClean="0"/>
+              <a:t>Медик</a:t>
+            </a:r>
+            <a:r>
+              <a:rPr lang="ru-RU" dirty="0" smtClean="0"/>
+              <a:t> лечит всех союзных юнитов в радиусе </a:t>
+            </a:r>
+            <a:r>
+              <a:rPr lang="ru-RU" b="1" dirty="0" smtClean="0"/>
+              <a:t>2</a:t>
+            </a:r>
+            <a:r>
+              <a:rPr lang="ru-RU" dirty="0" smtClean="0"/>
+              <a:t> </a:t>
+            </a:r>
+            <a:r>
+              <a:rPr lang="ru-RU" dirty="0" smtClean="0"/>
+              <a:t>клеток на </a:t>
+            </a:r>
+            <a:r>
+              <a:rPr lang="ru-RU" b="1" dirty="0" smtClean="0"/>
+              <a:t>10 </a:t>
+            </a:r>
+            <a:r>
+              <a:rPr lang="ru-RU" b="1" dirty="0" err="1" smtClean="0"/>
               <a:t>хп</a:t>
             </a:r>
-            <a:endParaRPr lang="ru-RU" dirty="0" smtClean="0"/>
+            <a:endParaRPr lang="ru-RU" b="1" dirty="0" smtClean="0"/>
           </a:p>
           <a:p>
             <a:pPr marL="0" indent="0">
@@ -10731,11 +10821,39 @@
             </a:r>
             <a:r>
               <a:rPr lang="ru-RU" dirty="0" smtClean="0"/>
-              <a:t>-Фермер дает союзным юнитам 1 ОП в начале хода в радиусе 2х </a:t>
-            </a:r>
-            <a:r>
-              <a:rPr lang="ru-RU" dirty="0" err="1" smtClean="0"/>
-              <a:t>кл</a:t>
+              <a:t>-</a:t>
+            </a:r>
+            <a:r>
+              <a:rPr lang="ru-RU" b="1" dirty="0" smtClean="0"/>
+              <a:t>Фермер</a:t>
+            </a:r>
+            <a:r>
+              <a:rPr lang="ru-RU" dirty="0" smtClean="0"/>
+              <a:t> дает союзным юнитам </a:t>
+            </a:r>
+            <a:r>
+              <a:rPr lang="ru-RU" b="1" dirty="0" smtClean="0"/>
+              <a:t>1</a:t>
+            </a:r>
+            <a:r>
+              <a:rPr lang="ru-RU" dirty="0" smtClean="0"/>
+              <a:t> </a:t>
+            </a:r>
+            <a:r>
+              <a:rPr lang="ru-RU" b="1" dirty="0" smtClean="0"/>
+              <a:t>ОП</a:t>
+            </a:r>
+            <a:r>
+              <a:rPr lang="ru-RU" dirty="0" smtClean="0"/>
+              <a:t> в начале хода в радиусе </a:t>
+            </a:r>
+            <a:r>
+              <a:rPr lang="ru-RU" b="1" dirty="0" smtClean="0"/>
+              <a:t>2</a:t>
+            </a:r>
+            <a:r>
+              <a:rPr lang="ru-RU" dirty="0" smtClean="0"/>
+              <a:t> клеток</a:t>
             </a:r>
             <a:endParaRPr lang="ru-RU" dirty="0" smtClean="0"/>
           </a:p>
@@ -10748,7 +10866,7 @@
               <a:t>	-</a:t>
             </a:r>
             <a:r>
-              <a:rPr lang="ru-RU" dirty="0" err="1" smtClean="0"/>
+              <a:rPr lang="ru-RU" b="1" dirty="0" err="1" smtClean="0"/>
               <a:t>Моралер</a:t>
             </a:r>
             <a:r>
@@ -10756,61 +10874,101 @@
               <a:t> дает </a:t>
             </a:r>
             <a:r>
+              <a:rPr lang="ru-RU" b="1" dirty="0" err="1" smtClean="0"/>
+              <a:t>доп</a:t>
+            </a:r>
+            <a:r>
+              <a:rPr lang="ru-RU" b="1" dirty="0" smtClean="0"/>
+              <a:t> урон (15) </a:t>
+            </a:r>
+            <a:r>
+              <a:rPr lang="ru-RU" dirty="0" smtClean="0"/>
+              <a:t>союзным </a:t>
+            </a:r>
+            <a:r>
+              <a:rPr lang="ru-RU" dirty="0" err="1" smtClean="0"/>
+              <a:t>юниитам</a:t>
+            </a:r>
+            <a:r>
+              <a:rPr lang="ru-RU" dirty="0" smtClean="0"/>
+              <a:t> в радиусе </a:t>
+            </a:r>
+            <a:r>
+              <a:rPr lang="ru-RU" b="1" dirty="0" smtClean="0"/>
+              <a:t>2</a:t>
+            </a:r>
+            <a:r>
+              <a:rPr lang="ru-RU" dirty="0" smtClean="0"/>
+              <a:t> </a:t>
+            </a:r>
+            <a:r>
+              <a:rPr lang="ru-RU" dirty="0" smtClean="0"/>
+              <a:t>клеток</a:t>
+            </a:r>
+          </a:p>
+          <a:p>
+            <a:pPr marL="0" indent="0">
+              <a:buNone/>
+            </a:pPr>
+            <a:r>
+              <a:rPr lang="ru-RU" dirty="0"/>
+              <a:t>	</a:t>
+            </a:r>
+            <a:r>
+              <a:rPr lang="ru-RU" dirty="0" smtClean="0"/>
+              <a:t>-</a:t>
+            </a:r>
+            <a:r>
+              <a:rPr lang="ru-RU" b="1" dirty="0" smtClean="0"/>
+              <a:t>Катапульты</a:t>
+            </a:r>
+            <a:r>
+              <a:rPr lang="ru-RU" dirty="0" smtClean="0"/>
+              <a:t> имеют повышенный </a:t>
+            </a:r>
+            <a:r>
+              <a:rPr lang="ru-RU" smtClean="0"/>
+              <a:t>урон </a:t>
+            </a:r>
+            <a:r>
+              <a:rPr lang="ru-RU" smtClean="0"/>
+              <a:t>(20) </a:t>
+            </a:r>
+            <a:r>
+              <a:rPr lang="ru-RU" smtClean="0"/>
+              <a:t>по </a:t>
+            </a:r>
+            <a:r>
+              <a:rPr lang="ru-RU" dirty="0" smtClean="0"/>
+              <a:t>замку</a:t>
+            </a:r>
+          </a:p>
+          <a:p>
+            <a:pPr marL="0" indent="0">
+              <a:buNone/>
+            </a:pPr>
+            <a:r>
+              <a:rPr lang="ru-RU" dirty="0"/>
+              <a:t>	</a:t>
+            </a:r>
+            <a:r>
+              <a:rPr lang="ru-RU" dirty="0" smtClean="0"/>
+              <a:t>-</a:t>
+            </a:r>
+            <a:r>
+              <a:rPr lang="ru-RU" b="1" dirty="0" err="1" smtClean="0"/>
+              <a:t>Ассасин</a:t>
+            </a:r>
+            <a:r>
+              <a:rPr lang="ru-RU" dirty="0" smtClean="0"/>
+              <a:t> наносит </a:t>
+            </a:r>
+            <a:r>
               <a:rPr lang="ru-RU" dirty="0" err="1" smtClean="0"/>
               <a:t>доп</a:t>
             </a:r>
             <a:r>
               <a:rPr lang="ru-RU" dirty="0" smtClean="0"/>
-              <a:t> урон (15) союзным </a:t>
-            </a:r>
-            <a:r>
-              <a:rPr lang="ru-RU" dirty="0" err="1" smtClean="0"/>
-              <a:t>юниитам</a:t>
-            </a:r>
-            <a:r>
-              <a:rPr lang="ru-RU" dirty="0" smtClean="0"/>
-              <a:t> в радиусе 2х клеток</a:t>
-            </a:r>
-          </a:p>
-          <a:p>
-            <a:pPr marL="0" indent="0">
-              <a:buNone/>
-            </a:pPr>
-            <a:r>
-              <a:rPr lang="ru-RU" dirty="0"/>
-              <a:t>	</a:t>
-            </a:r>
-            <a:r>
-              <a:rPr lang="ru-RU" dirty="0" smtClean="0"/>
-              <a:t>-Катапульты имеют повышенный урон по замку</a:t>
-            </a:r>
-          </a:p>
-          <a:p>
-            <a:pPr marL="0" indent="0">
-              <a:buNone/>
-            </a:pPr>
-            <a:r>
-              <a:rPr lang="ru-RU" dirty="0"/>
-              <a:t>	</a:t>
-            </a:r>
-            <a:r>
-              <a:rPr lang="ru-RU" dirty="0" smtClean="0"/>
-              <a:t>-</a:t>
-            </a:r>
-            <a:r>
-              <a:rPr lang="ru-RU" dirty="0" err="1" smtClean="0"/>
-              <a:t>Ассасин</a:t>
-            </a:r>
-            <a:r>
-              <a:rPr lang="ru-RU" dirty="0" smtClean="0"/>
-              <a:t> наносит </a:t>
-            </a:r>
-            <a:r>
-              <a:rPr lang="ru-RU" dirty="0" err="1" smtClean="0"/>
-              <a:t>доп</a:t>
-            </a:r>
-            <a:r>
-              <a:rPr lang="ru-RU" dirty="0" smtClean="0"/>
               <a:t> урон по Медику, Фермеру и </a:t>
             </a:r>
             <a:r>
@@ -10825,7 +10983,15 @@
             </a:pPr>
             <a:r>
               <a:rPr lang="ru-RU" dirty="0" smtClean="0"/>
-              <a:t>	-Лучник может атаковать соперника издалека.</a:t>
+              <a:t>	-</a:t>
+            </a:r>
+            <a:r>
+              <a:rPr lang="ru-RU" b="1" dirty="0" smtClean="0"/>
+              <a:t>Лучник</a:t>
+            </a:r>
+            <a:r>
+              <a:rPr lang="ru-RU" dirty="0" smtClean="0"/>
+              <a:t> может атаковать соперника издалека.</a:t>
             </a:r>
           </a:p>
           <a:p>
@@ -10843,7 +11009,7 @@
     </p:spTree>
     <p:extLst>
       <p:ext uri="{BB962C8B-B14F-4D97-AF65-F5344CB8AC3E}">
-        <p14:creationId xmlns:p14="http://schemas.microsoft.com/office/powerpoint/2010/main" val="2627237338"/>
+        <p14:creationId xmlns:p14="http://schemas.microsoft.com/office/powerpoint/2010/main" xmlns="" val="2627237338"/>
       </p:ext>
     </p:extLst>
   </p:cSld>
@@ -10954,7 +11120,7 @@
     </p:spTree>
     <p:extLst>
       <p:ext uri="{BB962C8B-B14F-4D97-AF65-F5344CB8AC3E}">
-        <p14:creationId xmlns:p14="http://schemas.microsoft.com/office/powerpoint/2010/main" val="3163778037"/>
+        <p14:creationId xmlns:p14="http://schemas.microsoft.com/office/powerpoint/2010/main" xmlns="" val="3163778037"/>
       </p:ext>
     </p:extLst>
   </p:cSld>
@@ -11267,7 +11433,7 @@
     </a:clrScheme>
     <a:fontScheme name="Легкий дым">
       <a:majorFont>
-        <a:latin typeface="Century Gothic" panose="020B0502020202020204"/>
+        <a:latin typeface="Century Gothic"/>
         <a:ea typeface=""/>
         <a:cs typeface=""/>
         <a:font script="Jpan" typeface="メイリオ"/>
@@ -11302,7 +11468,7 @@
         <a:font script="Geor" typeface="Sylfaen"/>
       </a:majorFont>
       <a:minorFont>
-        <a:latin typeface="Century Gothic" panose="020B0502020202020204"/>
+        <a:latin typeface="Century Gothic"/>
         <a:ea typeface=""/>
         <a:cs typeface=""/>
         <a:font script="Jpan" typeface="メイリオ"/>
@@ -11461,7 +11627,7 @@
   <a:extraClrSchemeLst/>
   <a:extLst>
     <a:ext uri="{05A4C25C-085E-4340-85A3-A5531E510DB2}">
-      <thm15:themeFamily xmlns:thm15="http://schemas.microsoft.com/office/thememl/2012/main" name="Wisp" id="{7CB32D59-10C0-40DD-B7BD-2E94284A981C}" vid="{24B1A44C-C006-48B2-A4D7-E5549B3D8CD4}"/>
+      <thm15:themeFamily xmlns:thm15="http://schemas.microsoft.com/office/thememl/2012/main" xmlns="" name="Wisp" id="{7CB32D59-10C0-40DD-B7BD-2E94284A981C}" vid="{24B1A44C-C006-48B2-A4D7-E5549B3D8CD4}"/>
     </a:ext>
   </a:extLst>
 </a:theme>
